--- a/demo/OkayMoney.pptx
+++ b/demo/OkayMoney.pptx
@@ -113,6 +113,11 @@
       </a:defRPr>
     </a:lvl9pPr>
   </p:defaultTextStyle>
+  <p:extLst>
+    <p:ext uri="{EFAFB233-063F-42B5-8137-9DF3F51BA10A}">
+      <p15:sldGuideLst xmlns:p15="http://schemas.microsoft.com/office/powerpoint/2012/main"/>
+    </p:ext>
+  </p:extLst>
 </p:presentation>
 </file>
 
@@ -305,7 +310,7 @@
             <a:fld id="{B61BEF0D-F0BB-DE4B-95CE-6DB70DBA9567}" type="datetimeFigureOut">
               <a:rPr lang="en-US" dirty="0"/>
               <a:pPr/>
-              <a:t>12/17/2018</a:t>
+              <a:t>5/19/2019</a:t>
             </a:fld>
             <a:endParaRPr lang="en-US" dirty="0"/>
           </a:p>
@@ -640,7 +645,7 @@
             <a:fld id="{B61BEF0D-F0BB-DE4B-95CE-6DB70DBA9567}" type="datetimeFigureOut">
               <a:rPr lang="en-US" dirty="0"/>
               <a:pPr/>
-              <a:t>12/17/2018</a:t>
+              <a:t>5/19/2019</a:t>
             </a:fld>
             <a:endParaRPr lang="en-US" dirty="0"/>
           </a:p>
@@ -1038,7 +1043,7 @@
             <a:fld id="{B61BEF0D-F0BB-DE4B-95CE-6DB70DBA9567}" type="datetimeFigureOut">
               <a:rPr lang="en-US" dirty="0"/>
               <a:pPr/>
-              <a:t>12/17/2018</a:t>
+              <a:t>5/19/2019</a:t>
             </a:fld>
             <a:endParaRPr lang="en-US" dirty="0"/>
           </a:p>
@@ -1371,7 +1376,7 @@
             <a:fld id="{B61BEF0D-F0BB-DE4B-95CE-6DB70DBA9567}" type="datetimeFigureOut">
               <a:rPr lang="en-US" dirty="0"/>
               <a:pPr/>
-              <a:t>12/17/2018</a:t>
+              <a:t>5/19/2019</a:t>
             </a:fld>
             <a:endParaRPr lang="en-US" dirty="0"/>
           </a:p>
@@ -1688,7 +1693,7 @@
             <a:fld id="{B61BEF0D-F0BB-DE4B-95CE-6DB70DBA9567}" type="datetimeFigureOut">
               <a:rPr lang="en-US" dirty="0"/>
               <a:pPr/>
-              <a:t>12/17/2018</a:t>
+              <a:t>5/19/2019</a:t>
             </a:fld>
             <a:endParaRPr lang="en-US" dirty="0"/>
           </a:p>
@@ -2081,7 +2086,7 @@
             <a:fld id="{B61BEF0D-F0BB-DE4B-95CE-6DB70DBA9567}" type="datetimeFigureOut">
               <a:rPr lang="en-US" dirty="0"/>
               <a:pPr/>
-              <a:t>12/17/2018</a:t>
+              <a:t>5/19/2019</a:t>
             </a:fld>
             <a:endParaRPr lang="en-US" dirty="0"/>
           </a:p>
@@ -2335,7 +2340,7 @@
             <a:fld id="{B61BEF0D-F0BB-DE4B-95CE-6DB70DBA9567}" type="datetimeFigureOut">
               <a:rPr lang="en-US" dirty="0"/>
               <a:pPr/>
-              <a:t>12/17/2018</a:t>
+              <a:t>5/19/2019</a:t>
             </a:fld>
             <a:endParaRPr lang="en-US" dirty="0"/>
           </a:p>
@@ -2594,7 +2599,7 @@
             <a:fld id="{B61BEF0D-F0BB-DE4B-95CE-6DB70DBA9567}" type="datetimeFigureOut">
               <a:rPr lang="en-US" dirty="0"/>
               <a:pPr/>
-              <a:t>12/17/2018</a:t>
+              <a:t>5/19/2019</a:t>
             </a:fld>
             <a:endParaRPr lang="en-US" dirty="0"/>
           </a:p>
@@ -2853,7 +2858,7 @@
             <a:fld id="{B61BEF0D-F0BB-DE4B-95CE-6DB70DBA9567}" type="datetimeFigureOut">
               <a:rPr lang="en-US" dirty="0"/>
               <a:pPr/>
-              <a:t>12/17/2018</a:t>
+              <a:t>5/19/2019</a:t>
             </a:fld>
             <a:endParaRPr lang="en-US" dirty="0"/>
           </a:p>
@@ -3179,7 +3184,7 @@
             <a:fld id="{B61BEF0D-F0BB-DE4B-95CE-6DB70DBA9567}" type="datetimeFigureOut">
               <a:rPr lang="en-US" dirty="0"/>
               <a:pPr/>
-              <a:t>12/17/2018</a:t>
+              <a:t>5/19/2019</a:t>
             </a:fld>
             <a:endParaRPr lang="en-US" dirty="0"/>
           </a:p>
@@ -3499,7 +3504,7 @@
             <a:fld id="{B61BEF0D-F0BB-DE4B-95CE-6DB70DBA9567}" type="datetimeFigureOut">
               <a:rPr lang="en-US" dirty="0"/>
               <a:pPr/>
-              <a:t>12/17/2018</a:t>
+              <a:t>5/19/2019</a:t>
             </a:fld>
             <a:endParaRPr lang="en-US" dirty="0"/>
           </a:p>
@@ -3953,7 +3958,7 @@
             <a:fld id="{B61BEF0D-F0BB-DE4B-95CE-6DB70DBA9567}" type="datetimeFigureOut">
               <a:rPr lang="en-US" dirty="0"/>
               <a:pPr/>
-              <a:t>12/17/2018</a:t>
+              <a:t>5/19/2019</a:t>
             </a:fld>
             <a:endParaRPr lang="en-US" dirty="0"/>
           </a:p>
@@ -4155,7 +4160,7 @@
             <a:fld id="{B61BEF0D-F0BB-DE4B-95CE-6DB70DBA9567}" type="datetimeFigureOut">
               <a:rPr lang="en-US" dirty="0"/>
               <a:pPr/>
-              <a:t>12/17/2018</a:t>
+              <a:t>5/19/2019</a:t>
             </a:fld>
             <a:endParaRPr lang="en-US" dirty="0"/>
           </a:p>
@@ -4329,7 +4334,7 @@
             <a:fld id="{B61BEF0D-F0BB-DE4B-95CE-6DB70DBA9567}" type="datetimeFigureOut">
               <a:rPr lang="en-US" dirty="0"/>
               <a:pPr/>
-              <a:t>12/17/2018</a:t>
+              <a:t>5/19/2019</a:t>
             </a:fld>
             <a:endParaRPr lang="en-US" dirty="0"/>
           </a:p>
@@ -4659,7 +4664,7 @@
             <a:fld id="{B61BEF0D-F0BB-DE4B-95CE-6DB70DBA9567}" type="datetimeFigureOut">
               <a:rPr lang="en-US" dirty="0"/>
               <a:pPr/>
-              <a:t>12/17/2018</a:t>
+              <a:t>5/19/2019</a:t>
             </a:fld>
             <a:endParaRPr lang="en-US" dirty="0"/>
           </a:p>
@@ -5001,7 +5006,7 @@
             <a:fld id="{B61BEF0D-F0BB-DE4B-95CE-6DB70DBA9567}" type="datetimeFigureOut">
               <a:rPr lang="en-US" dirty="0"/>
               <a:pPr/>
-              <a:t>12/17/2018</a:t>
+              <a:t>5/19/2019</a:t>
             </a:fld>
             <a:endParaRPr lang="en-US" dirty="0"/>
           </a:p>
@@ -7052,7 +7057,7 @@
             <a:fld id="{B61BEF0D-F0BB-DE4B-95CE-6DB70DBA9567}" type="datetimeFigureOut">
               <a:rPr lang="en-US" dirty="0"/>
               <a:pPr/>
-              <a:t>12/17/2018</a:t>
+              <a:t>5/19/2019</a:t>
             </a:fld>
             <a:endParaRPr lang="en-US" dirty="0"/>
           </a:p>
@@ -7718,7 +7723,7 @@
         </p:spPr>
         <p:txBody>
           <a:bodyPr>
-            <a:normAutofit lnSpcReduction="10000"/>
+            <a:normAutofit/>
           </a:bodyPr>
           <a:lstStyle/>
           <a:p>
@@ -7731,41 +7736,10 @@
             <a:endParaRPr lang="ru-RU" dirty="0"/>
           </a:p>
           <a:p>
-            <a:endParaRPr lang="ru-RU" dirty="0" smtClean="0"/>
-          </a:p>
-          <a:p>
-            <a:endParaRPr lang="ru-RU" dirty="0"/>
-          </a:p>
-          <a:p>
             <a:pPr marL="0" indent="0">
               <a:buNone/>
             </a:pPr>
             <a:endParaRPr lang="ru-RU" dirty="0" smtClean="0"/>
-          </a:p>
-          <a:p>
-            <a:pPr marL="0" indent="0">
-              <a:buNone/>
-            </a:pPr>
-            <a:endParaRPr lang="ru-RU" dirty="0"/>
-          </a:p>
-          <a:p>
-            <a:pPr marL="0" indent="0">
-              <a:buNone/>
-            </a:pPr>
-            <a:r>
-              <a:rPr lang="ru-RU" dirty="0" smtClean="0"/>
-              <a:t>На этом у нас всё. </a:t>
-            </a:r>
-          </a:p>
-          <a:p>
-            <a:pPr marL="0" indent="0">
-              <a:buNone/>
-            </a:pPr>
-            <a:r>
-              <a:rPr lang="ru-RU" b="1" dirty="0" smtClean="0"/>
-              <a:t>Спасибо за внимание!</a:t>
-            </a:r>
-            <a:endParaRPr lang="ru-RU" b="1" dirty="0"/>
           </a:p>
         </p:txBody>
       </p:sp>
@@ -8141,20 +8115,16 @@
               <a:t> </a:t>
             </a:r>
             <a:r>
-              <a:rPr lang="ru-RU" sz="2000" dirty="0" err="1"/>
+              <a:rPr lang="ru-RU" sz="2000" dirty="0" err="1" smtClean="0"/>
               <a:t>Store</a:t>
             </a:r>
             <a:r>
+              <a:rPr lang="ru-RU" sz="2000" dirty="0" smtClean="0"/>
+              <a:t>. </a:t>
+            </a:r>
+            <a:r>
               <a:rPr lang="ru-RU" sz="2000" dirty="0"/>
-              <a:t> Никитой </a:t>
-            </a:r>
-            <a:r>
-              <a:rPr lang="ru-RU" sz="2000" dirty="0" err="1"/>
-              <a:t>Усатовым</a:t>
-            </a:r>
-            <a:r>
-              <a:rPr lang="ru-RU" sz="2000" dirty="0"/>
-              <a:t>. Мы искали идеи для проекта и наткнулись на одно приложение для контроля расходов и подумали: почему бы не попробовать сделать нечто подобное</a:t>
+              <a:t>Мы искали идеи для проекта и наткнулись на одно приложение для контроля расходов и подумали: почему бы не попробовать сделать нечто подобное</a:t>
             </a:r>
             <a:r>
               <a:rPr lang="ru-RU" sz="2000" dirty="0" smtClean="0"/>
@@ -8241,7 +8211,7 @@
         </p:nvSpPr>
         <p:spPr>
           <a:xfrm>
-            <a:off x="1587261" y="1512496"/>
+            <a:off x="1250831" y="1477991"/>
             <a:ext cx="10506974" cy="5181601"/>
           </a:xfrm>
         </p:spPr>
@@ -8592,13 +8562,23 @@
             <a:pPr marL="0" indent="0">
               <a:buNone/>
             </a:pPr>
+            <a:r>
+              <a:rPr lang="en-US" dirty="0" err="1" smtClean="0">
+                <a:latin typeface="Courier New" panose="02070309020205020404" pitchFamily="49" charset="0"/>
+                <a:cs typeface="Courier New" panose="02070309020205020404" pitchFamily="49" charset="0"/>
+              </a:rPr>
+              <a:t>SignInDialog</a:t>
+            </a:r>
+            <a:endParaRPr lang="en-US" dirty="0" smtClean="0">
+              <a:latin typeface="Courier New" panose="02070309020205020404" pitchFamily="49" charset="0"/>
+              <a:cs typeface="Courier New" panose="02070309020205020404" pitchFamily="49" charset="0"/>
+            </a:endParaRPr>
+          </a:p>
+          <a:p>
+            <a:pPr marL="0" indent="0">
+              <a:buNone/>
+            </a:pPr>
             <a:endParaRPr lang="en-US" dirty="0"/>
-          </a:p>
-          <a:p>
-            <a:pPr marL="0" indent="0">
-              <a:buNone/>
-            </a:pPr>
-            <a:endParaRPr lang="en-US" dirty="0" smtClean="0"/>
           </a:p>
           <a:p>
             <a:r>
@@ -8707,7 +8687,12 @@
             <p:ph type="title"/>
           </p:nvPr>
         </p:nvSpPr>
-        <p:spPr/>
+        <p:spPr>
+          <a:xfrm>
+            <a:off x="2592925" y="0"/>
+            <a:ext cx="8911687" cy="1280890"/>
+          </a:xfrm>
+        </p:spPr>
         <p:txBody>
           <a:bodyPr/>
           <a:lstStyle/>
@@ -8732,7 +8717,7 @@
         </p:nvSpPr>
         <p:spPr>
           <a:xfrm>
-            <a:off x="2589212" y="1547004"/>
+            <a:off x="2592925" y="640445"/>
             <a:ext cx="8915400" cy="3777622"/>
           </a:xfrm>
         </p:spPr>
@@ -8748,16 +8733,17 @@
           <a:p>
             <a:r>
               <a:rPr lang="ru-RU" dirty="0" smtClean="0"/>
-              <a:t>Все иконки, использованные в нашем проекте, нарисовал </a:t>
-            </a:r>
-            <a:r>
-              <a:rPr lang="en-US" dirty="0" err="1" smtClean="0"/>
-              <a:t>nikitakosatka</a:t>
+              <a:t>Все иконки, использованные в нашем проекте, </a:t>
+            </a:r>
+            <a:r>
+              <a:rPr lang="ru-RU" dirty="0" smtClean="0"/>
+              <a:t>нарисованы нами</a:t>
             </a:r>
             <a:r>
               <a:rPr lang="en-US" dirty="0" smtClean="0"/>
               <a:t>.</a:t>
             </a:r>
+            <a:endParaRPr lang="en-US" dirty="0" smtClean="0"/>
           </a:p>
           <a:p>
             <a:r>
@@ -8776,7 +8762,25 @@
             </a:r>
             <a:r>
               <a:rPr lang="ru-RU" dirty="0" smtClean="0"/>
-              <a:t>, создавать или удалять свой аккаунт.</a:t>
+              <a:t>, создавать или удалять свой аккаунт</a:t>
+            </a:r>
+            <a:r>
+              <a:rPr lang="ru-RU" dirty="0" smtClean="0"/>
+              <a:t>.</a:t>
+            </a:r>
+          </a:p>
+          <a:p>
+            <a:r>
+              <a:rPr lang="ru-RU" dirty="0" smtClean="0"/>
+              <a:t>Авторизация через социальную сеть «</a:t>
+            </a:r>
+            <a:r>
+              <a:rPr lang="ru-RU" dirty="0" err="1" smtClean="0"/>
+              <a:t>ВКонтакте</a:t>
+            </a:r>
+            <a:r>
+              <a:rPr lang="ru-RU" dirty="0" smtClean="0"/>
+              <a:t>».</a:t>
             </a:r>
             <a:endParaRPr lang="en-US" dirty="0" smtClean="0"/>
           </a:p>
@@ -8801,8 +8805,32 @@
         </p:blipFill>
         <p:spPr>
           <a:xfrm>
-            <a:off x="2986027" y="4068882"/>
-            <a:ext cx="4969893" cy="2649512"/>
+            <a:off x="2664964" y="3591274"/>
+            <a:ext cx="4228528" cy="2254281"/>
+          </a:xfrm>
+          <a:prstGeom prst="rect">
+            <a:avLst/>
+          </a:prstGeom>
+        </p:spPr>
+      </p:pic>
+      <p:pic>
+        <p:nvPicPr>
+          <p:cNvPr id="5" name="Рисунок 4"/>
+          <p:cNvPicPr>
+            <a:picLocks noChangeAspect="1"/>
+          </p:cNvPicPr>
+          <p:nvPr/>
+        </p:nvPicPr>
+        <p:blipFill>
+          <a:blip r:embed="rId3"/>
+          <a:stretch>
+            <a:fillRect/>
+          </a:stretch>
+        </p:blipFill>
+        <p:spPr>
+          <a:xfrm>
+            <a:off x="7141714" y="3898725"/>
+            <a:ext cx="4438650" cy="1466850"/>
           </a:xfrm>
           <a:prstGeom prst="rect">
             <a:avLst/>
@@ -8899,8 +8927,21 @@
             </a:r>
             <a:r>
               <a:rPr lang="en-US" sz="2000" dirty="0" smtClean="0"/>
-              <a:t> 2018 Community Edition</a:t>
-            </a:r>
+              <a:t> </a:t>
+            </a:r>
+            <a:r>
+              <a:rPr lang="en-US" sz="2000" dirty="0" smtClean="0"/>
+              <a:t>201</a:t>
+            </a:r>
+            <a:r>
+              <a:rPr lang="ru-RU" sz="2000" dirty="0" smtClean="0"/>
+              <a:t>9</a:t>
+            </a:r>
+            <a:r>
+              <a:rPr lang="en-US" sz="2000" dirty="0" smtClean="0"/>
+              <a:t> Professional Edition</a:t>
+            </a:r>
+            <a:endParaRPr lang="en-US" sz="2000" dirty="0" smtClean="0"/>
           </a:p>
           <a:p>
             <a:r>
@@ -8926,6 +8967,15 @@
               <a:rPr lang="ru-RU" sz="2000" b="1" dirty="0" smtClean="0"/>
               <a:t>Библиотеки</a:t>
             </a:r>
+            <a:r>
+              <a:rPr lang="en-US" sz="2000" b="1" dirty="0" smtClean="0"/>
+              <a:t>, </a:t>
+            </a:r>
+            <a:r>
+              <a:rPr lang="ru-RU" sz="2000" b="1" dirty="0" smtClean="0"/>
+              <a:t>модули</a:t>
+            </a:r>
+            <a:endParaRPr lang="ru-RU" sz="2000" b="1" dirty="0" smtClean="0"/>
           </a:p>
           <a:p>
             <a:r>
@@ -8949,6 +8999,25 @@
               <a:rPr lang="en-US" sz="2000" dirty="0" smtClean="0"/>
               <a:t>Pillow</a:t>
             </a:r>
+          </a:p>
+          <a:p>
+            <a:r>
+              <a:rPr lang="en-US" sz="2000" dirty="0" smtClean="0"/>
+              <a:t>Requests</a:t>
+            </a:r>
+          </a:p>
+          <a:p>
+            <a:r>
+              <a:rPr lang="en-US" sz="2000" dirty="0" smtClean="0"/>
+              <a:t>Pickle</a:t>
+            </a:r>
+          </a:p>
+          <a:p>
+            <a:r>
+              <a:rPr lang="en-US" sz="2000" dirty="0" smtClean="0"/>
+              <a:t>Base64</a:t>
+            </a:r>
+            <a:endParaRPr lang="en-US" sz="2000" dirty="0" smtClean="0"/>
           </a:p>
           <a:p>
             <a:endParaRPr lang="ru-RU" sz="2000" dirty="0"/>
